--- a/PowerPoint presentation.pptx
+++ b/PowerPoint presentation.pptx
@@ -153,8 +153,8 @@
 <pc:chgInfo xmlns:a="http://schemas.openxmlformats.org/drawingml/2006/main" xmlns:r="http://schemas.openxmlformats.org/officeDocument/2006/relationships" xmlns:ac="http://schemas.microsoft.com/office/drawing/2013/main/command" xmlns:pc="http://schemas.microsoft.com/office/powerpoint/2013/main/command">
   <pc:docChgLst>
     <pc:chgData name="sanjay kumar" userId="5d5709c44fc0a5ee" providerId="LiveId" clId="{56D7BD29-8D8D-4074-AB95-C06BE49A32DE}"/>
-    <pc:docChg chg="modSld">
-      <pc:chgData name="sanjay kumar" userId="5d5709c44fc0a5ee" providerId="LiveId" clId="{56D7BD29-8D8D-4074-AB95-C06BE49A32DE}" dt="2024-04-02T06:58:54.512" v="13" actId="20577"/>
+    <pc:docChg chg="undo custSel modSld">
+      <pc:chgData name="sanjay kumar" userId="5d5709c44fc0a5ee" providerId="LiveId" clId="{56D7BD29-8D8D-4074-AB95-C06BE49A32DE}" dt="2024-04-02T07:31:58.330" v="82" actId="478"/>
       <pc:docMkLst>
         <pc:docMk/>
       </pc:docMkLst>
@@ -164,6 +164,99 @@
           <pc:docMk/>
           <pc:sldMk cId="0" sldId="256"/>
         </pc:sldMkLst>
+      </pc:sldChg>
+      <pc:sldChg chg="modSp mod">
+        <pc:chgData name="sanjay kumar" userId="5d5709c44fc0a5ee" providerId="LiveId" clId="{56D7BD29-8D8D-4074-AB95-C06BE49A32DE}" dt="2024-04-02T07:20:10.266" v="14" actId="1076"/>
+        <pc:sldMkLst>
+          <pc:docMk/>
+          <pc:sldMk cId="0" sldId="257"/>
+        </pc:sldMkLst>
+        <pc:grpChg chg="mod">
+          <ac:chgData name="sanjay kumar" userId="5d5709c44fc0a5ee" providerId="LiveId" clId="{56D7BD29-8D8D-4074-AB95-C06BE49A32DE}" dt="2024-04-02T07:20:10.266" v="14" actId="1076"/>
+          <ac:grpSpMkLst>
+            <pc:docMk/>
+            <pc:sldMk cId="0" sldId="257"/>
+            <ac:grpSpMk id="17" creationId="{00000000-0000-0000-0000-000000000000}"/>
+          </ac:grpSpMkLst>
+        </pc:grpChg>
+      </pc:sldChg>
+      <pc:sldChg chg="addSp delSp modSp mod">
+        <pc:chgData name="sanjay kumar" userId="5d5709c44fc0a5ee" providerId="LiveId" clId="{56D7BD29-8D8D-4074-AB95-C06BE49A32DE}" dt="2024-04-02T07:31:34.011" v="81" actId="1440"/>
+        <pc:sldMkLst>
+          <pc:docMk/>
+          <pc:sldMk cId="0" sldId="260"/>
+        </pc:sldMkLst>
+        <pc:spChg chg="mod">
+          <ac:chgData name="sanjay kumar" userId="5d5709c44fc0a5ee" providerId="LiveId" clId="{56D7BD29-8D8D-4074-AB95-C06BE49A32DE}" dt="2024-04-02T07:31:03.760" v="77" actId="20577"/>
+          <ac:spMkLst>
+            <pc:docMk/>
+            <pc:sldMk cId="0" sldId="260"/>
+            <ac:spMk id="24" creationId="{00000000-0000-0000-0000-000000000000}"/>
+          </ac:spMkLst>
+        </pc:spChg>
+        <pc:spChg chg="mod">
+          <ac:chgData name="sanjay kumar" userId="5d5709c44fc0a5ee" providerId="LiveId" clId="{56D7BD29-8D8D-4074-AB95-C06BE49A32DE}" dt="2024-04-02T07:24:43.561" v="40" actId="20577"/>
+          <ac:spMkLst>
+            <pc:docMk/>
+            <pc:sldMk cId="0" sldId="260"/>
+            <ac:spMk id="34" creationId="{F416C8E8-7AB8-4134-B77A-4ADE4F9807B5}"/>
+          </ac:spMkLst>
+        </pc:spChg>
+        <pc:spChg chg="mod">
+          <ac:chgData name="sanjay kumar" userId="5d5709c44fc0a5ee" providerId="LiveId" clId="{56D7BD29-8D8D-4074-AB95-C06BE49A32DE}" dt="2024-04-02T07:25:36.350" v="42"/>
+          <ac:spMkLst>
+            <pc:docMk/>
+            <pc:sldMk cId="0" sldId="260"/>
+            <ac:spMk id="36" creationId="{8EBA0369-D23B-4B51-84B0-5C19B45DA7B5}"/>
+          </ac:spMkLst>
+        </pc:spChg>
+        <pc:spChg chg="mod">
+          <ac:chgData name="sanjay kumar" userId="5d5709c44fc0a5ee" providerId="LiveId" clId="{56D7BD29-8D8D-4074-AB95-C06BE49A32DE}" dt="2024-04-02T07:25:36.350" v="42"/>
+          <ac:spMkLst>
+            <pc:docMk/>
+            <pc:sldMk cId="0" sldId="260"/>
+            <ac:spMk id="37" creationId="{F7FF95D5-7C3A-49E5-BD3C-3747A8801468}"/>
+          </ac:spMkLst>
+        </pc:spChg>
+        <pc:grpChg chg="del">
+          <ac:chgData name="sanjay kumar" userId="5d5709c44fc0a5ee" providerId="LiveId" clId="{56D7BD29-8D8D-4074-AB95-C06BE49A32DE}" dt="2024-04-02T07:25:25.520" v="41" actId="21"/>
+          <ac:grpSpMkLst>
+            <pc:docMk/>
+            <pc:sldMk cId="0" sldId="260"/>
+            <ac:grpSpMk id="28" creationId="{00000000-0000-0000-0000-000000000000}"/>
+          </ac:grpSpMkLst>
+        </pc:grpChg>
+        <pc:grpChg chg="add del mod">
+          <ac:chgData name="sanjay kumar" userId="5d5709c44fc0a5ee" providerId="LiveId" clId="{56D7BD29-8D8D-4074-AB95-C06BE49A32DE}" dt="2024-04-02T07:30:55.337" v="75" actId="478"/>
+          <ac:grpSpMkLst>
+            <pc:docMk/>
+            <pc:sldMk cId="0" sldId="260"/>
+            <ac:grpSpMk id="35" creationId="{01F5BF23-C872-4EA1-9A8C-76B778C82BC6}"/>
+          </ac:grpSpMkLst>
+        </pc:grpChg>
+        <pc:picChg chg="add mod modCrop">
+          <ac:chgData name="sanjay kumar" userId="5d5709c44fc0a5ee" providerId="LiveId" clId="{56D7BD29-8D8D-4074-AB95-C06BE49A32DE}" dt="2024-04-02T07:31:34.011" v="81" actId="1440"/>
+          <ac:picMkLst>
+            <pc:docMk/>
+            <pc:sldMk cId="0" sldId="260"/>
+            <ac:picMk id="38" creationId="{219BB853-A0D6-4152-B1F4-782086E1DB71}"/>
+          </ac:picMkLst>
+        </pc:picChg>
+      </pc:sldChg>
+      <pc:sldChg chg="delSp mod">
+        <pc:chgData name="sanjay kumar" userId="5d5709c44fc0a5ee" providerId="LiveId" clId="{56D7BD29-8D8D-4074-AB95-C06BE49A32DE}" dt="2024-04-02T07:31:58.330" v="82" actId="478"/>
+        <pc:sldMkLst>
+          <pc:docMk/>
+          <pc:sldMk cId="0" sldId="265"/>
+        </pc:sldMkLst>
+        <pc:picChg chg="del">
+          <ac:chgData name="sanjay kumar" userId="5d5709c44fc0a5ee" providerId="LiveId" clId="{56D7BD29-8D8D-4074-AB95-C06BE49A32DE}" dt="2024-04-02T07:31:58.330" v="82" actId="478"/>
+          <ac:picMkLst>
+            <pc:docMk/>
+            <pc:sldMk cId="0" sldId="265"/>
+            <ac:picMk id="5" creationId="{00000000-0000-0000-0000-000000000000}"/>
+          </ac:picMkLst>
+        </pc:picChg>
       </pc:sldChg>
     </pc:docChg>
   </pc:docChgLst>
@@ -4267,15 +4360,7 @@
             <a:pPr lvl="0"/>
             <a:r>
               <a:rPr lang="en-US" dirty="0"/>
-              <a:t>Hello and welcome, my </a:t>
-            </a:r>
-            <a:r>
-              <a:rPr lang="en-US"/>
-              <a:t>name is Sanjay  </a:t>
-            </a:r>
-            <a:r>
-              <a:rPr lang="en-US" dirty="0"/>
-              <a:t>and today I will be presenting to you the results of the Data Analytics task.</a:t>
+              <a:t>Hello and welcome, my name is Sanjay  and today I will be presenting to you the results of the Data Analytics task.</a:t>
             </a:r>
           </a:p>
         </p:txBody>
@@ -10805,31 +10890,6 @@
           </a:prstGeom>
         </p:spPr>
       </p:pic>
-      <p:pic>
-        <p:nvPicPr>
-          <p:cNvPr id="5" name="Picture 5"/>
-          <p:cNvPicPr>
-            <a:picLocks noChangeAspect="1"/>
-          </p:cNvPicPr>
-          <p:nvPr/>
-        </p:nvPicPr>
-        <p:blipFill>
-          <a:blip r:embed="rId5"/>
-          <a:srcRect l="4069" t="1617" r="4069" b="1617"/>
-          <a:stretch>
-            <a:fillRect/>
-          </a:stretch>
-        </p:blipFill>
-        <p:spPr>
-          <a:xfrm>
-            <a:off x="5438298" y="1161805"/>
-            <a:ext cx="5036754" cy="7963390"/>
-          </a:xfrm>
-          <a:prstGeom prst="rect">
-            <a:avLst/>
-          </a:prstGeom>
-        </p:spPr>
-      </p:pic>
       <p:sp>
         <p:nvSpPr>
           <p:cNvPr id="6" name="TextBox 6"/>
@@ -10891,14 +10951,14 @@
             <p:nvPr/>
           </p:nvPicPr>
           <p:blipFill>
-            <a:blip r:embed="rId6">
+            <a:blip r:embed="rId5">
               <a:alphaModFix amt="80000"/>
               <a:extLst>
                 <a:ext uri="{28A0092B-C50C-407E-A947-70E740481C1C}">
                   <a14:useLocalDpi xmlns:a14="http://schemas.microsoft.com/office/drawing/2010/main" val="0"/>
                 </a:ext>
                 <a:ext uri="{96DAC541-7B7A-43D3-8B79-37D633B846F1}">
-                  <asvg:svgBlip xmlns:asvg="http://schemas.microsoft.com/office/drawing/2016/SVG/main" r:embed="rId7"/>
+                  <asvg:svgBlip xmlns:asvg="http://schemas.microsoft.com/office/drawing/2016/SVG/main" r:embed="rId6"/>
                 </a:ext>
               </a:extLst>
             </a:blip>
@@ -10926,14 +10986,14 @@
             <p:nvPr/>
           </p:nvPicPr>
           <p:blipFill>
-            <a:blip r:embed="rId6">
+            <a:blip r:embed="rId5">
               <a:alphaModFix amt="80000"/>
               <a:extLst>
                 <a:ext uri="{28A0092B-C50C-407E-A947-70E740481C1C}">
                   <a14:useLocalDpi xmlns:a14="http://schemas.microsoft.com/office/drawing/2010/main" val="0"/>
                 </a:ext>
                 <a:ext uri="{96DAC541-7B7A-43D3-8B79-37D633B846F1}">
-                  <asvg:svgBlip xmlns:asvg="http://schemas.microsoft.com/office/drawing/2016/SVG/main" r:embed="rId7"/>
+                  <asvg:svgBlip xmlns:asvg="http://schemas.microsoft.com/office/drawing/2016/SVG/main" r:embed="rId6"/>
                 </a:ext>
               </a:extLst>
             </a:blip>
@@ -10961,14 +11021,14 @@
             <p:nvPr/>
           </p:nvPicPr>
           <p:blipFill>
-            <a:blip r:embed="rId6">
+            <a:blip r:embed="rId5">
               <a:alphaModFix amt="80000"/>
               <a:extLst>
                 <a:ext uri="{28A0092B-C50C-407E-A947-70E740481C1C}">
                   <a14:useLocalDpi xmlns:a14="http://schemas.microsoft.com/office/drawing/2010/main" val="0"/>
                 </a:ext>
                 <a:ext uri="{96DAC541-7B7A-43D3-8B79-37D633B846F1}">
-                  <asvg:svgBlip xmlns:asvg="http://schemas.microsoft.com/office/drawing/2016/SVG/main" r:embed="rId7"/>
+                  <asvg:svgBlip xmlns:asvg="http://schemas.microsoft.com/office/drawing/2016/SVG/main" r:embed="rId6"/>
                 </a:ext>
               </a:extLst>
             </a:blip>
@@ -10996,14 +11056,14 @@
             <p:nvPr/>
           </p:nvPicPr>
           <p:blipFill>
-            <a:blip r:embed="rId6">
+            <a:blip r:embed="rId5">
               <a:alphaModFix amt="80000"/>
               <a:extLst>
                 <a:ext uri="{28A0092B-C50C-407E-A947-70E740481C1C}">
                   <a14:useLocalDpi xmlns:a14="http://schemas.microsoft.com/office/drawing/2010/main" val="0"/>
                 </a:ext>
                 <a:ext uri="{96DAC541-7B7A-43D3-8B79-37D633B846F1}">
-                  <asvg:svgBlip xmlns:asvg="http://schemas.microsoft.com/office/drawing/2016/SVG/main" r:embed="rId7"/>
+                  <asvg:svgBlip xmlns:asvg="http://schemas.microsoft.com/office/drawing/2016/SVG/main" r:embed="rId6"/>
                 </a:ext>
               </a:extLst>
             </a:blip>
@@ -11046,14 +11106,14 @@
             <p:nvPr/>
           </p:nvPicPr>
           <p:blipFill>
-            <a:blip r:embed="rId6">
+            <a:blip r:embed="rId5">
               <a:alphaModFix amt="80000"/>
               <a:extLst>
                 <a:ext uri="{28A0092B-C50C-407E-A947-70E740481C1C}">
                   <a14:useLocalDpi xmlns:a14="http://schemas.microsoft.com/office/drawing/2010/main" val="0"/>
                 </a:ext>
                 <a:ext uri="{96DAC541-7B7A-43D3-8B79-37D633B846F1}">
-                  <asvg:svgBlip xmlns:asvg="http://schemas.microsoft.com/office/drawing/2016/SVG/main" r:embed="rId7"/>
+                  <asvg:svgBlip xmlns:asvg="http://schemas.microsoft.com/office/drawing/2016/SVG/main" r:embed="rId6"/>
                 </a:ext>
               </a:extLst>
             </a:blip>
@@ -11081,14 +11141,14 @@
             <p:nvPr/>
           </p:nvPicPr>
           <p:blipFill>
-            <a:blip r:embed="rId6">
+            <a:blip r:embed="rId5">
               <a:alphaModFix amt="80000"/>
               <a:extLst>
                 <a:ext uri="{28A0092B-C50C-407E-A947-70E740481C1C}">
                   <a14:useLocalDpi xmlns:a14="http://schemas.microsoft.com/office/drawing/2010/main" val="0"/>
                 </a:ext>
                 <a:ext uri="{96DAC541-7B7A-43D3-8B79-37D633B846F1}">
-                  <asvg:svgBlip xmlns:asvg="http://schemas.microsoft.com/office/drawing/2016/SVG/main" r:embed="rId7"/>
+                  <asvg:svgBlip xmlns:asvg="http://schemas.microsoft.com/office/drawing/2016/SVG/main" r:embed="rId6"/>
                 </a:ext>
               </a:extLst>
             </a:blip>
@@ -11116,14 +11176,14 @@
             <p:nvPr/>
           </p:nvPicPr>
           <p:blipFill>
-            <a:blip r:embed="rId6">
+            <a:blip r:embed="rId5">
               <a:alphaModFix amt="80000"/>
               <a:extLst>
                 <a:ext uri="{28A0092B-C50C-407E-A947-70E740481C1C}">
                   <a14:useLocalDpi xmlns:a14="http://schemas.microsoft.com/office/drawing/2010/main" val="0"/>
                 </a:ext>
                 <a:ext uri="{96DAC541-7B7A-43D3-8B79-37D633B846F1}">
-                  <asvg:svgBlip xmlns:asvg="http://schemas.microsoft.com/office/drawing/2016/SVG/main" r:embed="rId7"/>
+                  <asvg:svgBlip xmlns:asvg="http://schemas.microsoft.com/office/drawing/2016/SVG/main" r:embed="rId6"/>
                 </a:ext>
               </a:extLst>
             </a:blip>
@@ -11151,14 +11211,14 @@
             <p:nvPr/>
           </p:nvPicPr>
           <p:blipFill>
-            <a:blip r:embed="rId6">
+            <a:blip r:embed="rId5">
               <a:alphaModFix amt="80000"/>
               <a:extLst>
                 <a:ext uri="{28A0092B-C50C-407E-A947-70E740481C1C}">
                   <a14:useLocalDpi xmlns:a14="http://schemas.microsoft.com/office/drawing/2010/main" val="0"/>
                 </a:ext>
                 <a:ext uri="{96DAC541-7B7A-43D3-8B79-37D633B846F1}">
-                  <asvg:svgBlip xmlns:asvg="http://schemas.microsoft.com/office/drawing/2016/SVG/main" r:embed="rId7"/>
+                  <asvg:svgBlip xmlns:asvg="http://schemas.microsoft.com/office/drawing/2016/SVG/main" r:embed="rId6"/>
                 </a:ext>
               </a:extLst>
             </a:blip>
@@ -12822,7 +12882,7 @@
         </p:nvGrpSpPr>
         <p:grpSpPr>
           <a:xfrm>
-            <a:off x="-927557" y="406153"/>
+            <a:off x="423501" y="406153"/>
             <a:ext cx="2253799" cy="9474693"/>
             <a:chOff x="0" y="0"/>
             <a:chExt cx="3005065" cy="12632924"/>
@@ -15889,178 +15949,17 @@
               </a:solidFill>
             </a:ln>
           </p:spPr>
-        </p:sp>
-        <p:sp>
-          <p:nvSpPr>
-            <p:cNvPr id="25" name="Freeform 25"/>
-            <p:cNvSpPr/>
-            <p:nvPr/>
-          </p:nvSpPr>
-          <p:spPr>
-            <a:xfrm>
-              <a:off x="73038" y="66269"/>
-              <a:ext cx="6350000" cy="6349987"/>
-            </a:xfrm>
-            <a:custGeom>
-              <a:avLst/>
-              <a:gdLst/>
-              <a:ahLst/>
-              <a:cxnLst/>
-              <a:rect l="l" t="t" r="r" b="b"/>
-              <a:pathLst>
-                <a:path w="6350000" h="6349987">
-                  <a:moveTo>
-                    <a:pt x="3175000" y="6349987"/>
-                  </a:moveTo>
-                  <a:cubicBezTo>
-                    <a:pt x="1424279" y="6349987"/>
-                    <a:pt x="0" y="4925733"/>
-                    <a:pt x="0" y="3175038"/>
-                  </a:cubicBezTo>
-                  <a:cubicBezTo>
-                    <a:pt x="0" y="1424317"/>
-                    <a:pt x="1424292" y="0"/>
-                    <a:pt x="3175000" y="0"/>
-                  </a:cubicBezTo>
-                  <a:cubicBezTo>
-                    <a:pt x="4925733" y="0"/>
-                    <a:pt x="6350000" y="1424330"/>
-                    <a:pt x="6350000" y="3175038"/>
-                  </a:cubicBezTo>
-                  <a:cubicBezTo>
-                    <a:pt x="6350000" y="4925720"/>
-                    <a:pt x="4925733" y="6349987"/>
-                    <a:pt x="3175000" y="6349987"/>
-                  </a:cubicBezTo>
-                  <a:close/>
-                  <a:moveTo>
-                    <a:pt x="3175000" y="115760"/>
-                  </a:moveTo>
-                  <a:cubicBezTo>
-                    <a:pt x="1488135" y="115760"/>
-                    <a:pt x="115760" y="1488148"/>
-                    <a:pt x="115760" y="3175038"/>
-                  </a:cubicBezTo>
-                  <a:cubicBezTo>
-                    <a:pt x="115760" y="4861915"/>
-                    <a:pt x="1488135" y="6234265"/>
-                    <a:pt x="3175000" y="6234265"/>
-                  </a:cubicBezTo>
-                  <a:cubicBezTo>
-                    <a:pt x="4861852" y="6234265"/>
-                    <a:pt x="6234265" y="4861890"/>
-                    <a:pt x="6234265" y="3175038"/>
-                  </a:cubicBezTo>
-                  <a:cubicBezTo>
-                    <a:pt x="6234265" y="1488148"/>
-                    <a:pt x="4861852" y="115760"/>
-                    <a:pt x="3175000" y="115760"/>
-                  </a:cubicBezTo>
-                  <a:close/>
-                </a:path>
-              </a:pathLst>
-            </a:custGeom>
-            <a:solidFill>
-              <a:srgbClr val="2E44D8"/>
-            </a:solidFill>
-          </p:spPr>
-        </p:sp>
-      </p:grpSp>
-      <p:grpSp>
-        <p:nvGrpSpPr>
-          <p:cNvPr id="28" name="Group 28"/>
-          <p:cNvGrpSpPr>
-            <a:grpSpLocks noChangeAspect="1"/>
-          </p:cNvGrpSpPr>
-          <p:nvPr/>
-        </p:nvGrpSpPr>
-        <p:grpSpPr>
-          <a:xfrm>
-            <a:off x="11277600" y="7048500"/>
-            <a:ext cx="2174041" cy="2165548"/>
-            <a:chOff x="0" y="0"/>
-            <a:chExt cx="6502400" cy="6477000"/>
-          </a:xfrm>
-        </p:grpSpPr>
-        <p:sp>
-          <p:nvSpPr>
-            <p:cNvPr id="29" name="Freeform 29"/>
-            <p:cNvSpPr/>
-            <p:nvPr/>
-          </p:nvSpPr>
-          <p:spPr>
-            <a:xfrm>
-              <a:off x="-23042" y="119185"/>
-              <a:ext cx="6542159" cy="6244242"/>
-            </a:xfrm>
-            <a:custGeom>
-              <a:avLst/>
-              <a:gdLst/>
-              <a:ahLst/>
-              <a:cxnLst/>
-              <a:rect l="l" t="t" r="r" b="b"/>
-              <a:pathLst>
-                <a:path w="6542159" h="6244242">
-                  <a:moveTo>
-                    <a:pt x="3271080" y="4996"/>
-                  </a:moveTo>
-                  <a:cubicBezTo>
-                    <a:pt x="2154117" y="0"/>
-                    <a:pt x="1119857" y="593026"/>
-                    <a:pt x="559929" y="1559521"/>
-                  </a:cubicBezTo>
-                  <a:cubicBezTo>
-                    <a:pt x="0" y="2526015"/>
-                    <a:pt x="0" y="3718228"/>
-                    <a:pt x="559929" y="4684723"/>
-                  </a:cubicBezTo>
-                  <a:cubicBezTo>
-                    <a:pt x="1119857" y="5651217"/>
-                    <a:pt x="2154117" y="6244243"/>
-                    <a:pt x="3271080" y="6239248"/>
-                  </a:cubicBezTo>
-                  <a:cubicBezTo>
-                    <a:pt x="4388043" y="6244243"/>
-                    <a:pt x="5422303" y="5651217"/>
-                    <a:pt x="5982231" y="4684723"/>
-                  </a:cubicBezTo>
-                  <a:cubicBezTo>
-                    <a:pt x="6542160" y="3718229"/>
-                    <a:pt x="6542160" y="2526015"/>
-                    <a:pt x="5982231" y="1559521"/>
-                  </a:cubicBezTo>
-                  <a:cubicBezTo>
-                    <a:pt x="5422303" y="593027"/>
-                    <a:pt x="4388043" y="1"/>
-                    <a:pt x="3271080" y="4996"/>
-                  </a:cubicBezTo>
-                  <a:close/>
-                </a:path>
-              </a:pathLst>
-            </a:custGeom>
-            <a:blipFill>
-              <a:blip r:embed="rId7" cstate="print"/>
-              <a:stretch>
-                <a:fillRect l="-164266" t="1917" r="-22903" b="-93994"/>
-              </a:stretch>
-            </a:blipFill>
-            <a:ln>
-              <a:solidFill>
-                <a:srgbClr val="00BAFF"/>
-              </a:solidFill>
-            </a:ln>
-          </p:spPr>
           <p:txBody>
             <a:bodyPr/>
             <a:lstStyle/>
             <a:p>
-              <a:endParaRPr lang="en-AU" dirty="0"/>
+              <a:endParaRPr lang="en-US" dirty="0"/>
             </a:p>
           </p:txBody>
         </p:sp>
         <p:sp>
           <p:nvSpPr>
-            <p:cNvPr id="30" name="Freeform 30"/>
+            <p:cNvPr id="25" name="Freeform 25"/>
             <p:cNvSpPr/>
             <p:nvPr/>
           </p:nvSpPr>
@@ -16295,7 +16194,7 @@
           <a:p>
             <a:r>
               <a:rPr lang="en-US" sz="2400" b="1" dirty="0"/>
-              <a:t>GOURAV SINHA</a:t>
+              <a:t>Sanjay Kumar</a:t>
             </a:r>
           </a:p>
           <a:p>
@@ -16307,6 +16206,65 @@
           </a:p>
         </p:txBody>
       </p:sp>
+      <p:pic>
+        <p:nvPicPr>
+          <p:cNvPr id="38" name="Picture 37">
+            <a:extLst>
+              <a:ext uri="{FF2B5EF4-FFF2-40B4-BE49-F238E27FC236}">
+                <a16:creationId xmlns:a16="http://schemas.microsoft.com/office/drawing/2014/main" id="{219BB853-A0D6-4152-B1F4-782086E1DB71}"/>
+              </a:ext>
+            </a:extLst>
+          </p:cNvPr>
+          <p:cNvPicPr>
+            <a:picLocks noChangeAspect="1"/>
+          </p:cNvPicPr>
+          <p:nvPr/>
+        </p:nvPicPr>
+        <p:blipFill rotWithShape="1">
+          <a:blip r:embed="rId7">
+            <a:extLst>
+              <a:ext uri="{28A0092B-C50C-407E-A947-70E740481C1C}">
+                <a14:useLocalDpi xmlns:a14="http://schemas.microsoft.com/office/drawing/2010/main" val="0"/>
+              </a:ext>
+            </a:extLst>
+          </a:blip>
+          <a:srcRect r="2790"/>
+          <a:stretch/>
+        </p:blipFill>
+        <p:spPr>
+          <a:xfrm>
+            <a:off x="11904772" y="6920381"/>
+            <a:ext cx="1463040" cy="2121592"/>
+          </a:xfrm>
+          <a:prstGeom prst="ellipse">
+            <a:avLst/>
+          </a:prstGeom>
+          <a:ln w="63500" cap="rnd">
+            <a:solidFill>
+              <a:srgbClr val="333333"/>
+            </a:solidFill>
+          </a:ln>
+          <a:effectLst>
+            <a:outerShdw blurRad="381000" dist="292100" dir="5400000" sx="-80000" sy="-18000" rotWithShape="0">
+              <a:srgbClr val="000000">
+                <a:alpha val="22000"/>
+              </a:srgbClr>
+            </a:outerShdw>
+          </a:effectLst>
+          <a:scene3d>
+            <a:camera prst="orthographicFront"/>
+            <a:lightRig rig="contrasting" dir="t">
+              <a:rot lat="0" lon="0" rev="3000000"/>
+            </a:lightRig>
+          </a:scene3d>
+          <a:sp3d contourW="7620">
+            <a:bevelT w="95250" h="31750"/>
+            <a:contourClr>
+              <a:srgbClr val="333333"/>
+            </a:contourClr>
+          </a:sp3d>
+        </p:spPr>
+      </p:pic>
     </p:spTree>
   </p:cSld>
   <p:clrMapOvr>
